--- a/kondisi pensiun.pptx
+++ b/kondisi pensiun.pptx
@@ -243,7 +243,7 @@
           <a:p>
             <a:fld id="{E83DBA6C-20EC-4BDF-B832-CA388D696CAD}" type="datetimeFigureOut">
               <a:rPr lang="id-ID" smtClean="0"/>
-              <a:t>14/08/2017</a:t>
+              <a:t>18/08/2017</a:t>
             </a:fld>
             <a:endParaRPr lang="id-ID"/>
           </a:p>
@@ -413,7 +413,7 @@
           <a:p>
             <a:fld id="{E83DBA6C-20EC-4BDF-B832-CA388D696CAD}" type="datetimeFigureOut">
               <a:rPr lang="id-ID" smtClean="0"/>
-              <a:t>14/08/2017</a:t>
+              <a:t>18/08/2017</a:t>
             </a:fld>
             <a:endParaRPr lang="id-ID"/>
           </a:p>
@@ -593,7 +593,7 @@
           <a:p>
             <a:fld id="{E83DBA6C-20EC-4BDF-B832-CA388D696CAD}" type="datetimeFigureOut">
               <a:rPr lang="id-ID" smtClean="0"/>
-              <a:t>14/08/2017</a:t>
+              <a:t>18/08/2017</a:t>
             </a:fld>
             <a:endParaRPr lang="id-ID"/>
           </a:p>
@@ -763,7 +763,7 @@
           <a:p>
             <a:fld id="{E83DBA6C-20EC-4BDF-B832-CA388D696CAD}" type="datetimeFigureOut">
               <a:rPr lang="id-ID" smtClean="0"/>
-              <a:t>14/08/2017</a:t>
+              <a:t>18/08/2017</a:t>
             </a:fld>
             <a:endParaRPr lang="id-ID"/>
           </a:p>
@@ -1009,7 +1009,7 @@
           <a:p>
             <a:fld id="{E83DBA6C-20EC-4BDF-B832-CA388D696CAD}" type="datetimeFigureOut">
               <a:rPr lang="id-ID" smtClean="0"/>
-              <a:t>14/08/2017</a:t>
+              <a:t>18/08/2017</a:t>
             </a:fld>
             <a:endParaRPr lang="id-ID"/>
           </a:p>
@@ -1241,7 +1241,7 @@
           <a:p>
             <a:fld id="{E83DBA6C-20EC-4BDF-B832-CA388D696CAD}" type="datetimeFigureOut">
               <a:rPr lang="id-ID" smtClean="0"/>
-              <a:t>14/08/2017</a:t>
+              <a:t>18/08/2017</a:t>
             </a:fld>
             <a:endParaRPr lang="id-ID"/>
           </a:p>
@@ -1608,7 +1608,7 @@
           <a:p>
             <a:fld id="{E83DBA6C-20EC-4BDF-B832-CA388D696CAD}" type="datetimeFigureOut">
               <a:rPr lang="id-ID" smtClean="0"/>
-              <a:t>14/08/2017</a:t>
+              <a:t>18/08/2017</a:t>
             </a:fld>
             <a:endParaRPr lang="id-ID"/>
           </a:p>
@@ -1726,7 +1726,7 @@
           <a:p>
             <a:fld id="{E83DBA6C-20EC-4BDF-B832-CA388D696CAD}" type="datetimeFigureOut">
               <a:rPr lang="id-ID" smtClean="0"/>
-              <a:t>14/08/2017</a:t>
+              <a:t>18/08/2017</a:t>
             </a:fld>
             <a:endParaRPr lang="id-ID"/>
           </a:p>
@@ -1821,7 +1821,7 @@
           <a:p>
             <a:fld id="{E83DBA6C-20EC-4BDF-B832-CA388D696CAD}" type="datetimeFigureOut">
               <a:rPr lang="id-ID" smtClean="0"/>
-              <a:t>14/08/2017</a:t>
+              <a:t>18/08/2017</a:t>
             </a:fld>
             <a:endParaRPr lang="id-ID"/>
           </a:p>
@@ -2098,7 +2098,7 @@
           <a:p>
             <a:fld id="{E83DBA6C-20EC-4BDF-B832-CA388D696CAD}" type="datetimeFigureOut">
               <a:rPr lang="id-ID" smtClean="0"/>
-              <a:t>14/08/2017</a:t>
+              <a:t>18/08/2017</a:t>
             </a:fld>
             <a:endParaRPr lang="id-ID"/>
           </a:p>
@@ -2351,7 +2351,7 @@
           <a:p>
             <a:fld id="{E83DBA6C-20EC-4BDF-B832-CA388D696CAD}" type="datetimeFigureOut">
               <a:rPr lang="id-ID" smtClean="0"/>
-              <a:t>14/08/2017</a:t>
+              <a:t>18/08/2017</a:t>
             </a:fld>
             <a:endParaRPr lang="id-ID"/>
           </a:p>
@@ -2564,7 +2564,7 @@
           <a:p>
             <a:fld id="{E83DBA6C-20EC-4BDF-B832-CA388D696CAD}" type="datetimeFigureOut">
               <a:rPr lang="id-ID" smtClean="0"/>
-              <a:t>14/08/2017</a:t>
+              <a:t>18/08/2017</a:t>
             </a:fld>
             <a:endParaRPr lang="id-ID"/>
           </a:p>
@@ -3056,7 +3056,7 @@
           <a:graphicData uri="http://schemas.openxmlformats.org/presentationml/2006/ole">
             <mc:AlternateContent xmlns:mc="http://schemas.openxmlformats.org/markup-compatibility/2006">
               <mc:Choice xmlns:v="urn:schemas-microsoft-com:vml" Requires="v">
-                <p:oleObj spid="_x0000_s1043" name="Worksheet" r:id="rId3" imgW="30251579" imgH="22355070" progId="Excel.Sheet.12">
+                <p:oleObj spid="_x0000_s1046" name="Worksheet" r:id="rId3" imgW="30251579" imgH="22355070" progId="Excel.Sheet.12">
                   <p:embed/>
                 </p:oleObj>
               </mc:Choice>
@@ -3110,8 +3110,48 @@
         </p:nvSpPr>
         <p:spPr>
           <a:xfrm>
-            <a:off x="8523266" y="742555"/>
-            <a:ext cx="3668712" cy="6015037"/>
+            <a:off x="8833899" y="712575"/>
+            <a:ext cx="2765942" cy="6595482"/>
+          </a:xfrm>
+          <a:prstGeom prst="rect">
+            <a:avLst/>
+          </a:prstGeom>
+        </p:spPr>
+        <p:style>
+          <a:lnRef idx="2">
+            <a:schemeClr val="accent1">
+              <a:shade val="50000"/>
+            </a:schemeClr>
+          </a:lnRef>
+          <a:fillRef idx="1">
+            <a:schemeClr val="accent1"/>
+          </a:fillRef>
+          <a:effectRef idx="0">
+            <a:schemeClr val="accent1"/>
+          </a:effectRef>
+          <a:fontRef idx="minor">
+            <a:schemeClr val="lt1"/>
+          </a:fontRef>
+        </p:style>
+        <p:txBody>
+          <a:bodyPr rtlCol="0" anchor="ctr"/>
+          <a:lstStyle/>
+          <a:p>
+            <a:pPr algn="ctr"/>
+            <a:endParaRPr lang="id-ID"/>
+          </a:p>
+        </p:txBody>
+      </p:sp>
+      <p:sp>
+        <p:nvSpPr>
+          <p:cNvPr id="7" name="Rectangle 6"/>
+          <p:cNvSpPr/>
+          <p:nvPr/>
+        </p:nvSpPr>
+        <p:spPr>
+          <a:xfrm>
+            <a:off x="3467099" y="712575"/>
+            <a:ext cx="352425" cy="6008900"/>
           </a:xfrm>
           <a:prstGeom prst="rect">
             <a:avLst/>
